--- a/docs/PkgStructure.pptx
+++ b/docs/PkgStructure.pptx
@@ -198,7 +198,7 @@
           <a:p>
             <a:fld id="{BA3169B6-4FAB-C74C-B3C4-DDC935BEBB5C}" type="datetimeFigureOut">
               <a:rPr kumimoji="1" lang="zh-CN" altLang="en-US" smtClean="0"/>
-              <a:t>2024/1/29</a:t>
+              <a:t>2024/8/2</a:t>
             </a:fld>
             <a:endParaRPr kumimoji="1" lang="zh-CN" altLang="en-US"/>
           </a:p>
@@ -680,7 +680,7 @@
           <a:p>
             <a:fld id="{7CDD7218-6ED0-F841-B1B2-5CD751FBD8FA}" type="datetimeFigureOut">
               <a:rPr kumimoji="1" lang="zh-CN" altLang="en-US" smtClean="0"/>
-              <a:t>2024/1/29</a:t>
+              <a:t>2024/8/2</a:t>
             </a:fld>
             <a:endParaRPr kumimoji="1" lang="zh-CN" altLang="en-US"/>
           </a:p>
@@ -850,7 +850,7 @@
           <a:p>
             <a:fld id="{7CDD7218-6ED0-F841-B1B2-5CD751FBD8FA}" type="datetimeFigureOut">
               <a:rPr kumimoji="1" lang="zh-CN" altLang="en-US" smtClean="0"/>
-              <a:t>2024/1/29</a:t>
+              <a:t>2024/8/2</a:t>
             </a:fld>
             <a:endParaRPr kumimoji="1" lang="zh-CN" altLang="en-US"/>
           </a:p>
@@ -1030,7 +1030,7 @@
           <a:p>
             <a:fld id="{7CDD7218-6ED0-F841-B1B2-5CD751FBD8FA}" type="datetimeFigureOut">
               <a:rPr kumimoji="1" lang="zh-CN" altLang="en-US" smtClean="0"/>
-              <a:t>2024/1/29</a:t>
+              <a:t>2024/8/2</a:t>
             </a:fld>
             <a:endParaRPr kumimoji="1" lang="zh-CN" altLang="en-US"/>
           </a:p>
@@ -1200,7 +1200,7 @@
           <a:p>
             <a:fld id="{7CDD7218-6ED0-F841-B1B2-5CD751FBD8FA}" type="datetimeFigureOut">
               <a:rPr kumimoji="1" lang="zh-CN" altLang="en-US" smtClean="0"/>
-              <a:t>2024/1/29</a:t>
+              <a:t>2024/8/2</a:t>
             </a:fld>
             <a:endParaRPr kumimoji="1" lang="zh-CN" altLang="en-US"/>
           </a:p>
@@ -1446,7 +1446,7 @@
           <a:p>
             <a:fld id="{7CDD7218-6ED0-F841-B1B2-5CD751FBD8FA}" type="datetimeFigureOut">
               <a:rPr kumimoji="1" lang="zh-CN" altLang="en-US" smtClean="0"/>
-              <a:t>2024/1/29</a:t>
+              <a:t>2024/8/2</a:t>
             </a:fld>
             <a:endParaRPr kumimoji="1" lang="zh-CN" altLang="en-US"/>
           </a:p>
@@ -1678,7 +1678,7 @@
           <a:p>
             <a:fld id="{7CDD7218-6ED0-F841-B1B2-5CD751FBD8FA}" type="datetimeFigureOut">
               <a:rPr kumimoji="1" lang="zh-CN" altLang="en-US" smtClean="0"/>
-              <a:t>2024/1/29</a:t>
+              <a:t>2024/8/2</a:t>
             </a:fld>
             <a:endParaRPr kumimoji="1" lang="zh-CN" altLang="en-US"/>
           </a:p>
@@ -2045,7 +2045,7 @@
           <a:p>
             <a:fld id="{7CDD7218-6ED0-F841-B1B2-5CD751FBD8FA}" type="datetimeFigureOut">
               <a:rPr kumimoji="1" lang="zh-CN" altLang="en-US" smtClean="0"/>
-              <a:t>2024/1/29</a:t>
+              <a:t>2024/8/2</a:t>
             </a:fld>
             <a:endParaRPr kumimoji="1" lang="zh-CN" altLang="en-US"/>
           </a:p>
@@ -2163,7 +2163,7 @@
           <a:p>
             <a:fld id="{7CDD7218-6ED0-F841-B1B2-5CD751FBD8FA}" type="datetimeFigureOut">
               <a:rPr kumimoji="1" lang="zh-CN" altLang="en-US" smtClean="0"/>
-              <a:t>2024/1/29</a:t>
+              <a:t>2024/8/2</a:t>
             </a:fld>
             <a:endParaRPr kumimoji="1" lang="zh-CN" altLang="en-US"/>
           </a:p>
@@ -2258,7 +2258,7 @@
           <a:p>
             <a:fld id="{7CDD7218-6ED0-F841-B1B2-5CD751FBD8FA}" type="datetimeFigureOut">
               <a:rPr kumimoji="1" lang="zh-CN" altLang="en-US" smtClean="0"/>
-              <a:t>2024/1/29</a:t>
+              <a:t>2024/8/2</a:t>
             </a:fld>
             <a:endParaRPr kumimoji="1" lang="zh-CN" altLang="en-US"/>
           </a:p>
@@ -2535,7 +2535,7 @@
           <a:p>
             <a:fld id="{7CDD7218-6ED0-F841-B1B2-5CD751FBD8FA}" type="datetimeFigureOut">
               <a:rPr kumimoji="1" lang="zh-CN" altLang="en-US" smtClean="0"/>
-              <a:t>2024/1/29</a:t>
+              <a:t>2024/8/2</a:t>
             </a:fld>
             <a:endParaRPr kumimoji="1" lang="zh-CN" altLang="en-US"/>
           </a:p>
@@ -2792,7 +2792,7 @@
           <a:p>
             <a:fld id="{7CDD7218-6ED0-F841-B1B2-5CD751FBD8FA}" type="datetimeFigureOut">
               <a:rPr kumimoji="1" lang="zh-CN" altLang="en-US" smtClean="0"/>
-              <a:t>2024/1/29</a:t>
+              <a:t>2024/8/2</a:t>
             </a:fld>
             <a:endParaRPr kumimoji="1" lang="zh-CN" altLang="en-US"/>
           </a:p>
@@ -3005,7 +3005,7 @@
           <a:p>
             <a:fld id="{7CDD7218-6ED0-F841-B1B2-5CD751FBD8FA}" type="datetimeFigureOut">
               <a:rPr kumimoji="1" lang="zh-CN" altLang="en-US" smtClean="0"/>
-              <a:t>2024/1/29</a:t>
+              <a:t>2024/8/2</a:t>
             </a:fld>
             <a:endParaRPr kumimoji="1" lang="zh-CN" altLang="en-US"/>
           </a:p>
@@ -3853,7 +3853,10 @@
           <a:prstGeom prst="rect">
             <a:avLst/>
           </a:prstGeom>
-          <a:noFill/>
+          <a:blipFill>
+            <a:blip r:embed="rId2"/>
+            <a:tile tx="0" ty="0" sx="100000" sy="100000" flip="none" algn="tl"/>
+          </a:blipFill>
           <a:ln w="25400">
             <a:solidFill>
               <a:srgbClr val="00B0F0"/>
@@ -3900,7 +3903,10 @@
           <a:prstGeom prst="rect">
             <a:avLst/>
           </a:prstGeom>
-          <a:noFill/>
+          <a:blipFill>
+            <a:blip r:embed="rId2"/>
+            <a:tile tx="0" ty="0" sx="100000" sy="100000" flip="none" algn="tl"/>
+          </a:blipFill>
           <a:ln w="25400">
             <a:solidFill>
               <a:srgbClr val="00B0F0"/>
@@ -3947,7 +3953,10 @@
           <a:prstGeom prst="rect">
             <a:avLst/>
           </a:prstGeom>
-          <a:noFill/>
+          <a:blipFill>
+            <a:blip r:embed="rId2"/>
+            <a:tile tx="0" ty="0" sx="100000" sy="100000" flip="none" algn="tl"/>
+          </a:blipFill>
           <a:ln w="25400">
             <a:solidFill>
               <a:srgbClr val="00B0F0"/>
@@ -3994,7 +4003,10 @@
           <a:prstGeom prst="rect">
             <a:avLst/>
           </a:prstGeom>
-          <a:noFill/>
+          <a:blipFill>
+            <a:blip r:embed="rId2"/>
+            <a:tile tx="0" ty="0" sx="100000" sy="100000" flip="none" algn="tl"/>
+          </a:blipFill>
           <a:ln w="25400">
             <a:solidFill>
               <a:srgbClr val="00B0F0"/>
@@ -4048,7 +4060,11 @@
           <a:prstGeom prst="rect">
             <a:avLst/>
           </a:prstGeom>
-          <a:noFill/>
+          <a:blipFill dpi="0" rotWithShape="1">
+            <a:blip r:embed="rId2"/>
+            <a:srcRect/>
+            <a:tile tx="0" ty="0" sx="100000" sy="100000" flip="none" algn="tl"/>
+          </a:blipFill>
           <a:ln w="25400">
             <a:solidFill>
               <a:srgbClr val="00B0F0"/>
@@ -4091,6 +4107,56 @@
           <a:xfrm>
             <a:off x="25738385" y="761874"/>
             <a:ext cx="1441420" cy="369332"/>
+          </a:xfrm>
+          <a:prstGeom prst="rect">
+            <a:avLst/>
+          </a:prstGeom>
+          <a:blipFill>
+            <a:blip r:embed="rId2"/>
+            <a:tile tx="0" ty="0" sx="100000" sy="100000" flip="none" algn="tl"/>
+          </a:blipFill>
+          <a:ln w="25400">
+            <a:solidFill>
+              <a:srgbClr val="00B0F0"/>
+            </a:solidFill>
+          </a:ln>
+        </p:spPr>
+        <p:txBody>
+          <a:bodyPr wrap="none" rtlCol="0">
+            <a:spAutoFit/>
+          </a:bodyPr>
+          <a:lstStyle/>
+          <a:p>
+            <a:r>
+              <a:rPr kumimoji="1" lang="en-US" altLang="zh-CN" dirty="0">
+                <a:latin typeface="Times New Roman" panose="02020603050405020304" pitchFamily="18" charset="0"/>
+                <a:cs typeface="Times New Roman" panose="02020603050405020304" pitchFamily="18" charset="0"/>
+              </a:rPr>
+              <a:t>Newton-Expr</a:t>
+            </a:r>
+            <a:endParaRPr kumimoji="1" lang="zh-CN" altLang="en-US" dirty="0">
+              <a:latin typeface="Times New Roman" panose="02020603050405020304" pitchFamily="18" charset="0"/>
+              <a:cs typeface="Times New Roman" panose="02020603050405020304" pitchFamily="18" charset="0"/>
+            </a:endParaRPr>
+          </a:p>
+        </p:txBody>
+      </p:sp>
+      <p:sp>
+        <p:nvSpPr>
+          <p:cNvPr id="32" name="文本框 31">
+            <a:extLst>
+              <a:ext uri="{FF2B5EF4-FFF2-40B4-BE49-F238E27FC236}">
+                <a16:creationId xmlns:a16="http://schemas.microsoft.com/office/drawing/2014/main" id="{EFE904D7-E15D-C94D-9F13-0D744B9959D0}"/>
+              </a:ext>
+            </a:extLst>
+          </p:cNvPr>
+          <p:cNvSpPr txBox="1"/>
+          <p:nvPr/>
+        </p:nvSpPr>
+        <p:spPr>
+          <a:xfrm>
+            <a:off x="22114708" y="761874"/>
+            <a:ext cx="1377300" cy="369332"/>
           </a:xfrm>
           <a:prstGeom prst="rect">
             <a:avLst/>
@@ -4118,58 +4184,6 @@
                 <a:latin typeface="Times New Roman" panose="02020603050405020304" pitchFamily="18" charset="0"/>
                 <a:cs typeface="Times New Roman" panose="02020603050405020304" pitchFamily="18" charset="0"/>
               </a:rPr>
-              <a:t>Newton-Expr</a:t>
-            </a:r>
-            <a:endParaRPr kumimoji="1" lang="zh-CN" altLang="en-US" dirty="0">
-              <a:latin typeface="Times New Roman" panose="02020603050405020304" pitchFamily="18" charset="0"/>
-              <a:cs typeface="Times New Roman" panose="02020603050405020304" pitchFamily="18" charset="0"/>
-            </a:endParaRPr>
-          </a:p>
-        </p:txBody>
-      </p:sp>
-      <p:sp>
-        <p:nvSpPr>
-          <p:cNvPr id="32" name="文本框 31">
-            <a:extLst>
-              <a:ext uri="{FF2B5EF4-FFF2-40B4-BE49-F238E27FC236}">
-                <a16:creationId xmlns:a16="http://schemas.microsoft.com/office/drawing/2014/main" id="{EFE904D7-E15D-C94D-9F13-0D744B9959D0}"/>
-              </a:ext>
-            </a:extLst>
-          </p:cNvPr>
-          <p:cNvSpPr txBox="1"/>
-          <p:nvPr/>
-        </p:nvSpPr>
-        <p:spPr>
-          <a:xfrm>
-            <a:off x="22114708" y="761874"/>
-            <a:ext cx="1377300" cy="369332"/>
-          </a:xfrm>
-          <a:prstGeom prst="rect">
-            <a:avLst/>
-          </a:prstGeom>
-          <a:solidFill>
-            <a:schemeClr val="accent1">
-              <a:lumMod val="60000"/>
-              <a:lumOff val="40000"/>
-            </a:schemeClr>
-          </a:solidFill>
-          <a:ln w="25400">
-            <a:solidFill>
-              <a:srgbClr val="00B0F0"/>
-            </a:solidFill>
-          </a:ln>
-        </p:spPr>
-        <p:txBody>
-          <a:bodyPr wrap="none" rtlCol="0">
-            <a:spAutoFit/>
-          </a:bodyPr>
-          <a:lstStyle/>
-          <a:p>
-            <a:r>
-              <a:rPr kumimoji="1" lang="en-US" altLang="zh-CN" dirty="0">
-                <a:latin typeface="Times New Roman" panose="02020603050405020304" pitchFamily="18" charset="0"/>
-                <a:cs typeface="Times New Roman" panose="02020603050405020304" pitchFamily="18" charset="0"/>
-              </a:rPr>
               <a:t>Solve-Param</a:t>
             </a:r>
             <a:endParaRPr kumimoji="1" lang="zh-CN" altLang="en-US" dirty="0">
@@ -4199,7 +4213,13 @@
           <a:prstGeom prst="rect">
             <a:avLst/>
           </a:prstGeom>
-          <a:noFill/>
+          <a:blipFill dpi="0" rotWithShape="1">
+            <a:blip r:embed="rId2">
+              <a:alphaModFix amt="53000"/>
+            </a:blip>
+            <a:srcRect/>
+            <a:tile tx="0" ty="0" sx="100000" sy="100000" flip="none" algn="tl"/>
+          </a:blipFill>
           <a:ln w="25400">
             <a:solidFill>
               <a:srgbClr val="00B0F0"/>
@@ -4246,7 +4266,10 @@
           <a:prstGeom prst="rect">
             <a:avLst/>
           </a:prstGeom>
-          <a:noFill/>
+          <a:blipFill>
+            <a:blip r:embed="rId2"/>
+            <a:tile tx="0" ty="0" sx="100000" sy="100000" flip="none" algn="tl"/>
+          </a:blipFill>
           <a:ln w="25400">
             <a:solidFill>
               <a:srgbClr val="00B0F0"/>
@@ -4314,7 +4337,10 @@
           <a:prstGeom prst="rect">
             <a:avLst/>
           </a:prstGeom>
-          <a:noFill/>
+          <a:blipFill>
+            <a:blip r:embed="rId2"/>
+            <a:tile tx="0" ty="0" sx="100000" sy="100000" flip="none" algn="tl"/>
+          </a:blipFill>
           <a:ln w="25400">
             <a:solidFill>
               <a:srgbClr val="00B0F0"/>
@@ -5557,7 +5583,10 @@
           <a:prstGeom prst="rect">
             <a:avLst/>
           </a:prstGeom>
-          <a:noFill/>
+          <a:blipFill>
+            <a:blip r:embed="rId2"/>
+            <a:tile tx="0" ty="0" sx="100000" sy="100000" flip="none" algn="tl"/>
+          </a:blipFill>
           <a:ln w="25400">
             <a:solidFill>
               <a:srgbClr val="00B0F0"/>
@@ -5611,7 +5640,10 @@
           <a:prstGeom prst="rect">
             <a:avLst/>
           </a:prstGeom>
-          <a:noFill/>
+          <a:blipFill>
+            <a:blip r:embed="rId2"/>
+            <a:tile tx="0" ty="0" sx="100000" sy="100000" flip="none" algn="tl"/>
+          </a:blipFill>
           <a:ln w="25400">
             <a:solidFill>
               <a:srgbClr val="00B0F0"/>
@@ -5672,7 +5704,10 @@
           <a:prstGeom prst="rect">
             <a:avLst/>
           </a:prstGeom>
-          <a:noFill/>
+          <a:blipFill>
+            <a:blip r:embed="rId2"/>
+            <a:tile tx="0" ty="0" sx="100000" sy="100000" flip="none" algn="tl"/>
+          </a:blipFill>
           <a:ln w="25400">
             <a:solidFill>
               <a:srgbClr val="00B0F0"/>

--- a/docs/PkgStructure.pptx
+++ b/docs/PkgStructure.pptx
@@ -5861,12 +5861,10 @@
           <a:prstGeom prst="rect">
             <a:avLst/>
           </a:prstGeom>
-          <a:solidFill>
-            <a:schemeClr val="accent4">
-              <a:lumMod val="60000"/>
-              <a:lumOff val="40000"/>
-            </a:schemeClr>
-          </a:solidFill>
+          <a:blipFill>
+            <a:blip r:embed="rId2"/>
+            <a:tile tx="0" ty="0" sx="100000" sy="100000" flip="none" algn="tl"/>
+          </a:blipFill>
           <a:ln w="25400">
             <a:solidFill>
               <a:srgbClr val="00B0F0"/>
@@ -5913,12 +5911,10 @@
           <a:prstGeom prst="rect">
             <a:avLst/>
           </a:prstGeom>
-          <a:solidFill>
-            <a:schemeClr val="accent4">
-              <a:lumMod val="60000"/>
-              <a:lumOff val="40000"/>
-            </a:schemeClr>
-          </a:solidFill>
+          <a:blipFill>
+            <a:blip r:embed="rId2"/>
+            <a:tile tx="0" ty="0" sx="100000" sy="100000" flip="none" algn="tl"/>
+          </a:blipFill>
           <a:ln w="25400">
             <a:solidFill>
               <a:srgbClr val="00B0F0"/>
@@ -5965,7 +5961,10 @@
           <a:prstGeom prst="rect">
             <a:avLst/>
           </a:prstGeom>
-          <a:noFill/>
+          <a:blipFill>
+            <a:blip r:embed="rId2"/>
+            <a:tile tx="0" ty="0" sx="100000" sy="100000" flip="none" algn="tl"/>
+          </a:blipFill>
           <a:ln w="25400">
             <a:solidFill>
               <a:srgbClr val="00B0F0"/>
@@ -6491,12 +6490,10 @@
           <a:prstGeom prst="rect">
             <a:avLst/>
           </a:prstGeom>
-          <a:solidFill>
-            <a:schemeClr val="accent4">
-              <a:lumMod val="60000"/>
-              <a:lumOff val="40000"/>
-            </a:schemeClr>
-          </a:solidFill>
+          <a:blipFill>
+            <a:blip r:embed="rId2"/>
+            <a:tile tx="0" ty="0" sx="100000" sy="100000" flip="none" algn="tl"/>
+          </a:blipFill>
           <a:ln w="25400">
             <a:solidFill>
               <a:srgbClr val="00B0F0"/>

--- a/docs/PkgStructure.pptx
+++ b/docs/PkgStructure.pptx
@@ -198,7 +198,7 @@
           <a:p>
             <a:fld id="{BA3169B6-4FAB-C74C-B3C4-DDC935BEBB5C}" type="datetimeFigureOut">
               <a:rPr kumimoji="1" lang="zh-CN" altLang="en-US" smtClean="0"/>
-              <a:t>2024/8/2</a:t>
+              <a:t>2024/9/6</a:t>
             </a:fld>
             <a:endParaRPr kumimoji="1" lang="zh-CN" altLang="en-US"/>
           </a:p>
@@ -680,7 +680,7 @@
           <a:p>
             <a:fld id="{7CDD7218-6ED0-F841-B1B2-5CD751FBD8FA}" type="datetimeFigureOut">
               <a:rPr kumimoji="1" lang="zh-CN" altLang="en-US" smtClean="0"/>
-              <a:t>2024/8/2</a:t>
+              <a:t>2024/9/6</a:t>
             </a:fld>
             <a:endParaRPr kumimoji="1" lang="zh-CN" altLang="en-US"/>
           </a:p>
@@ -850,7 +850,7 @@
           <a:p>
             <a:fld id="{7CDD7218-6ED0-F841-B1B2-5CD751FBD8FA}" type="datetimeFigureOut">
               <a:rPr kumimoji="1" lang="zh-CN" altLang="en-US" smtClean="0"/>
-              <a:t>2024/8/2</a:t>
+              <a:t>2024/9/6</a:t>
             </a:fld>
             <a:endParaRPr kumimoji="1" lang="zh-CN" altLang="en-US"/>
           </a:p>
@@ -1030,7 +1030,7 @@
           <a:p>
             <a:fld id="{7CDD7218-6ED0-F841-B1B2-5CD751FBD8FA}" type="datetimeFigureOut">
               <a:rPr kumimoji="1" lang="zh-CN" altLang="en-US" smtClean="0"/>
-              <a:t>2024/8/2</a:t>
+              <a:t>2024/9/6</a:t>
             </a:fld>
             <a:endParaRPr kumimoji="1" lang="zh-CN" altLang="en-US"/>
           </a:p>
@@ -1200,7 +1200,7 @@
           <a:p>
             <a:fld id="{7CDD7218-6ED0-F841-B1B2-5CD751FBD8FA}" type="datetimeFigureOut">
               <a:rPr kumimoji="1" lang="zh-CN" altLang="en-US" smtClean="0"/>
-              <a:t>2024/8/2</a:t>
+              <a:t>2024/9/6</a:t>
             </a:fld>
             <a:endParaRPr kumimoji="1" lang="zh-CN" altLang="en-US"/>
           </a:p>
@@ -1446,7 +1446,7 @@
           <a:p>
             <a:fld id="{7CDD7218-6ED0-F841-B1B2-5CD751FBD8FA}" type="datetimeFigureOut">
               <a:rPr kumimoji="1" lang="zh-CN" altLang="en-US" smtClean="0"/>
-              <a:t>2024/8/2</a:t>
+              <a:t>2024/9/6</a:t>
             </a:fld>
             <a:endParaRPr kumimoji="1" lang="zh-CN" altLang="en-US"/>
           </a:p>
@@ -1678,7 +1678,7 @@
           <a:p>
             <a:fld id="{7CDD7218-6ED0-F841-B1B2-5CD751FBD8FA}" type="datetimeFigureOut">
               <a:rPr kumimoji="1" lang="zh-CN" altLang="en-US" smtClean="0"/>
-              <a:t>2024/8/2</a:t>
+              <a:t>2024/9/6</a:t>
             </a:fld>
             <a:endParaRPr kumimoji="1" lang="zh-CN" altLang="en-US"/>
           </a:p>
@@ -2045,7 +2045,7 @@
           <a:p>
             <a:fld id="{7CDD7218-6ED0-F841-B1B2-5CD751FBD8FA}" type="datetimeFigureOut">
               <a:rPr kumimoji="1" lang="zh-CN" altLang="en-US" smtClean="0"/>
-              <a:t>2024/8/2</a:t>
+              <a:t>2024/9/6</a:t>
             </a:fld>
             <a:endParaRPr kumimoji="1" lang="zh-CN" altLang="en-US"/>
           </a:p>
@@ -2163,7 +2163,7 @@
           <a:p>
             <a:fld id="{7CDD7218-6ED0-F841-B1B2-5CD751FBD8FA}" type="datetimeFigureOut">
               <a:rPr kumimoji="1" lang="zh-CN" altLang="en-US" smtClean="0"/>
-              <a:t>2024/8/2</a:t>
+              <a:t>2024/9/6</a:t>
             </a:fld>
             <a:endParaRPr kumimoji="1" lang="zh-CN" altLang="en-US"/>
           </a:p>
@@ -2258,7 +2258,7 @@
           <a:p>
             <a:fld id="{7CDD7218-6ED0-F841-B1B2-5CD751FBD8FA}" type="datetimeFigureOut">
               <a:rPr kumimoji="1" lang="zh-CN" altLang="en-US" smtClean="0"/>
-              <a:t>2024/8/2</a:t>
+              <a:t>2024/9/6</a:t>
             </a:fld>
             <a:endParaRPr kumimoji="1" lang="zh-CN" altLang="en-US"/>
           </a:p>
@@ -2535,7 +2535,7 @@
           <a:p>
             <a:fld id="{7CDD7218-6ED0-F841-B1B2-5CD751FBD8FA}" type="datetimeFigureOut">
               <a:rPr kumimoji="1" lang="zh-CN" altLang="en-US" smtClean="0"/>
-              <a:t>2024/8/2</a:t>
+              <a:t>2024/9/6</a:t>
             </a:fld>
             <a:endParaRPr kumimoji="1" lang="zh-CN" altLang="en-US"/>
           </a:p>
@@ -2792,7 +2792,7 @@
           <a:p>
             <a:fld id="{7CDD7218-6ED0-F841-B1B2-5CD751FBD8FA}" type="datetimeFigureOut">
               <a:rPr kumimoji="1" lang="zh-CN" altLang="en-US" smtClean="0"/>
-              <a:t>2024/8/2</a:t>
+              <a:t>2024/9/6</a:t>
             </a:fld>
             <a:endParaRPr kumimoji="1" lang="zh-CN" altLang="en-US"/>
           </a:p>
@@ -3005,7 +3005,7 @@
           <a:p>
             <a:fld id="{7CDD7218-6ED0-F841-B1B2-5CD751FBD8FA}" type="datetimeFigureOut">
               <a:rPr kumimoji="1" lang="zh-CN" altLang="en-US" smtClean="0"/>
-              <a:t>2024/8/2</a:t>
+              <a:t>2024/9/6</a:t>
             </a:fld>
             <a:endParaRPr kumimoji="1" lang="zh-CN" altLang="en-US"/>
           </a:p>
@@ -5814,7 +5814,10 @@
           <a:prstGeom prst="rect">
             <a:avLst/>
           </a:prstGeom>
-          <a:noFill/>
+          <a:blipFill>
+            <a:blip r:embed="rId2"/>
+            <a:tile tx="0" ty="0" sx="100000" sy="100000" flip="none" algn="tl"/>
+          </a:blipFill>
           <a:ln w="25400">
             <a:solidFill>
               <a:srgbClr val="00B0F0"/>
@@ -6966,7 +6969,10 @@
           <a:prstGeom prst="rect">
             <a:avLst/>
           </a:prstGeom>
-          <a:noFill/>
+          <a:blipFill>
+            <a:blip r:embed="rId2"/>
+            <a:tile tx="0" ty="0" sx="100000" sy="100000" flip="none" algn="tl"/>
+          </a:blipFill>
           <a:ln w="25400">
             <a:solidFill>
               <a:srgbClr val="00B0F0"/>
@@ -7013,7 +7019,10 @@
           <a:prstGeom prst="rect">
             <a:avLst/>
           </a:prstGeom>
-          <a:noFill/>
+          <a:blipFill>
+            <a:blip r:embed="rId2"/>
+            <a:tile tx="0" ty="0" sx="100000" sy="100000" flip="none" algn="tl"/>
+          </a:blipFill>
           <a:ln w="25400">
             <a:solidFill>
               <a:srgbClr val="00B0F0"/>
@@ -7575,7 +7584,10 @@
           <a:prstGeom prst="rect">
             <a:avLst/>
           </a:prstGeom>
-          <a:noFill/>
+          <a:blipFill>
+            <a:blip r:embed="rId2"/>
+            <a:tile tx="0" ty="0" sx="100000" sy="100000" flip="none" algn="tl"/>
+          </a:blipFill>
           <a:ln w="25400">
             <a:solidFill>
               <a:srgbClr val="00B0F0"/>

--- a/docs/PkgStructure.pptx
+++ b/docs/PkgStructure.pptx
@@ -198,7 +198,7 @@
           <a:p>
             <a:fld id="{BA3169B6-4FAB-C74C-B3C4-DDC935BEBB5C}" type="datetimeFigureOut">
               <a:rPr kumimoji="1" lang="zh-CN" altLang="en-US" smtClean="0"/>
-              <a:t>2024/9/6</a:t>
+              <a:t>2024/9/10</a:t>
             </a:fld>
             <a:endParaRPr kumimoji="1" lang="zh-CN" altLang="en-US"/>
           </a:p>
@@ -680,7 +680,7 @@
           <a:p>
             <a:fld id="{7CDD7218-6ED0-F841-B1B2-5CD751FBD8FA}" type="datetimeFigureOut">
               <a:rPr kumimoji="1" lang="zh-CN" altLang="en-US" smtClean="0"/>
-              <a:t>2024/9/6</a:t>
+              <a:t>2024/9/10</a:t>
             </a:fld>
             <a:endParaRPr kumimoji="1" lang="zh-CN" altLang="en-US"/>
           </a:p>
@@ -850,7 +850,7 @@
           <a:p>
             <a:fld id="{7CDD7218-6ED0-F841-B1B2-5CD751FBD8FA}" type="datetimeFigureOut">
               <a:rPr kumimoji="1" lang="zh-CN" altLang="en-US" smtClean="0"/>
-              <a:t>2024/9/6</a:t>
+              <a:t>2024/9/10</a:t>
             </a:fld>
             <a:endParaRPr kumimoji="1" lang="zh-CN" altLang="en-US"/>
           </a:p>
@@ -1030,7 +1030,7 @@
           <a:p>
             <a:fld id="{7CDD7218-6ED0-F841-B1B2-5CD751FBD8FA}" type="datetimeFigureOut">
               <a:rPr kumimoji="1" lang="zh-CN" altLang="en-US" smtClean="0"/>
-              <a:t>2024/9/6</a:t>
+              <a:t>2024/9/10</a:t>
             </a:fld>
             <a:endParaRPr kumimoji="1" lang="zh-CN" altLang="en-US"/>
           </a:p>
@@ -1200,7 +1200,7 @@
           <a:p>
             <a:fld id="{7CDD7218-6ED0-F841-B1B2-5CD751FBD8FA}" type="datetimeFigureOut">
               <a:rPr kumimoji="1" lang="zh-CN" altLang="en-US" smtClean="0"/>
-              <a:t>2024/9/6</a:t>
+              <a:t>2024/9/10</a:t>
             </a:fld>
             <a:endParaRPr kumimoji="1" lang="zh-CN" altLang="en-US"/>
           </a:p>
@@ -1446,7 +1446,7 @@
           <a:p>
             <a:fld id="{7CDD7218-6ED0-F841-B1B2-5CD751FBD8FA}" type="datetimeFigureOut">
               <a:rPr kumimoji="1" lang="zh-CN" altLang="en-US" smtClean="0"/>
-              <a:t>2024/9/6</a:t>
+              <a:t>2024/9/10</a:t>
             </a:fld>
             <a:endParaRPr kumimoji="1" lang="zh-CN" altLang="en-US"/>
           </a:p>
@@ -1678,7 +1678,7 @@
           <a:p>
             <a:fld id="{7CDD7218-6ED0-F841-B1B2-5CD751FBD8FA}" type="datetimeFigureOut">
               <a:rPr kumimoji="1" lang="zh-CN" altLang="en-US" smtClean="0"/>
-              <a:t>2024/9/6</a:t>
+              <a:t>2024/9/10</a:t>
             </a:fld>
             <a:endParaRPr kumimoji="1" lang="zh-CN" altLang="en-US"/>
           </a:p>
@@ -2045,7 +2045,7 @@
           <a:p>
             <a:fld id="{7CDD7218-6ED0-F841-B1B2-5CD751FBD8FA}" type="datetimeFigureOut">
               <a:rPr kumimoji="1" lang="zh-CN" altLang="en-US" smtClean="0"/>
-              <a:t>2024/9/6</a:t>
+              <a:t>2024/9/10</a:t>
             </a:fld>
             <a:endParaRPr kumimoji="1" lang="zh-CN" altLang="en-US"/>
           </a:p>
@@ -2163,7 +2163,7 @@
           <a:p>
             <a:fld id="{7CDD7218-6ED0-F841-B1B2-5CD751FBD8FA}" type="datetimeFigureOut">
               <a:rPr kumimoji="1" lang="zh-CN" altLang="en-US" smtClean="0"/>
-              <a:t>2024/9/6</a:t>
+              <a:t>2024/9/10</a:t>
             </a:fld>
             <a:endParaRPr kumimoji="1" lang="zh-CN" altLang="en-US"/>
           </a:p>
@@ -2258,7 +2258,7 @@
           <a:p>
             <a:fld id="{7CDD7218-6ED0-F841-B1B2-5CD751FBD8FA}" type="datetimeFigureOut">
               <a:rPr kumimoji="1" lang="zh-CN" altLang="en-US" smtClean="0"/>
-              <a:t>2024/9/6</a:t>
+              <a:t>2024/9/10</a:t>
             </a:fld>
             <a:endParaRPr kumimoji="1" lang="zh-CN" altLang="en-US"/>
           </a:p>
@@ -2535,7 +2535,7 @@
           <a:p>
             <a:fld id="{7CDD7218-6ED0-F841-B1B2-5CD751FBD8FA}" type="datetimeFigureOut">
               <a:rPr kumimoji="1" lang="zh-CN" altLang="en-US" smtClean="0"/>
-              <a:t>2024/9/6</a:t>
+              <a:t>2024/9/10</a:t>
             </a:fld>
             <a:endParaRPr kumimoji="1" lang="zh-CN" altLang="en-US"/>
           </a:p>
@@ -2792,7 +2792,7 @@
           <a:p>
             <a:fld id="{7CDD7218-6ED0-F841-B1B2-5CD751FBD8FA}" type="datetimeFigureOut">
               <a:rPr kumimoji="1" lang="zh-CN" altLang="en-US" smtClean="0"/>
-              <a:t>2024/9/6</a:t>
+              <a:t>2024/9/10</a:t>
             </a:fld>
             <a:endParaRPr kumimoji="1" lang="zh-CN" altLang="en-US"/>
           </a:p>
@@ -3005,7 +3005,7 @@
           <a:p>
             <a:fld id="{7CDD7218-6ED0-F841-B1B2-5CD751FBD8FA}" type="datetimeFigureOut">
               <a:rPr kumimoji="1" lang="zh-CN" altLang="en-US" smtClean="0"/>
-              <a:t>2024/9/6</a:t>
+              <a:t>2024/9/10</a:t>
             </a:fld>
             <a:endParaRPr kumimoji="1" lang="zh-CN" altLang="en-US"/>
           </a:p>
@@ -6399,100 +6399,6 @@
           <a:prstGeom prst="rect">
             <a:avLst/>
           </a:prstGeom>
-          <a:noFill/>
-          <a:ln w="25400">
-            <a:solidFill>
-              <a:srgbClr val="00B0F0"/>
-            </a:solidFill>
-          </a:ln>
-        </p:spPr>
-        <p:txBody>
-          <a:bodyPr wrap="none" rtlCol="0">
-            <a:spAutoFit/>
-          </a:bodyPr>
-          <a:lstStyle/>
-          <a:p>
-            <a:r>
-              <a:rPr kumimoji="1" lang="en-US" altLang="zh-CN" dirty="0">
-                <a:latin typeface="Times New Roman" panose="02020603050405020304" pitchFamily="18" charset="0"/>
-                <a:cs typeface="Times New Roman" panose="02020603050405020304" pitchFamily="18" charset="0"/>
-              </a:rPr>
-              <a:t>ImagPart-LNS-Eqn-2.5D</a:t>
-            </a:r>
-            <a:endParaRPr kumimoji="1" lang="zh-CN" altLang="en-US" dirty="0">
-              <a:latin typeface="Times New Roman" panose="02020603050405020304" pitchFamily="18" charset="0"/>
-              <a:cs typeface="Times New Roman" panose="02020603050405020304" pitchFamily="18" charset="0"/>
-            </a:endParaRPr>
-          </a:p>
-        </p:txBody>
-      </p:sp>
-      <p:sp>
-        <p:nvSpPr>
-          <p:cNvPr id="171" name="文本框 170">
-            <a:extLst>
-              <a:ext uri="{FF2B5EF4-FFF2-40B4-BE49-F238E27FC236}">
-                <a16:creationId xmlns:a16="http://schemas.microsoft.com/office/drawing/2014/main" id="{66CED8D4-96E8-7C43-8EC7-9C99FA3D5997}"/>
-              </a:ext>
-            </a:extLst>
-          </p:cNvPr>
-          <p:cNvSpPr txBox="1"/>
-          <p:nvPr/>
-        </p:nvSpPr>
-        <p:spPr>
-          <a:xfrm>
-            <a:off x="29057924" y="5297062"/>
-            <a:ext cx="2473754" cy="369332"/>
-          </a:xfrm>
-          <a:prstGeom prst="rect">
-            <a:avLst/>
-          </a:prstGeom>
-          <a:noFill/>
-          <a:ln w="25400">
-            <a:solidFill>
-              <a:srgbClr val="00B0F0"/>
-            </a:solidFill>
-          </a:ln>
-        </p:spPr>
-        <p:txBody>
-          <a:bodyPr wrap="none" rtlCol="0">
-            <a:spAutoFit/>
-          </a:bodyPr>
-          <a:lstStyle/>
-          <a:p>
-            <a:r>
-              <a:rPr kumimoji="1" lang="en-US" altLang="zh-CN" dirty="0">
-                <a:latin typeface="Times New Roman" panose="02020603050405020304" pitchFamily="18" charset="0"/>
-                <a:cs typeface="Times New Roman" panose="02020603050405020304" pitchFamily="18" charset="0"/>
-              </a:rPr>
-              <a:t>RealPart-LNS-Eqn-2.5D</a:t>
-            </a:r>
-            <a:endParaRPr kumimoji="1" lang="zh-CN" altLang="en-US" dirty="0">
-              <a:latin typeface="Times New Roman" panose="02020603050405020304" pitchFamily="18" charset="0"/>
-              <a:cs typeface="Times New Roman" panose="02020603050405020304" pitchFamily="18" charset="0"/>
-            </a:endParaRPr>
-          </a:p>
-        </p:txBody>
-      </p:sp>
-      <p:sp>
-        <p:nvSpPr>
-          <p:cNvPr id="172" name="文本框 171">
-            <a:extLst>
-              <a:ext uri="{FF2B5EF4-FFF2-40B4-BE49-F238E27FC236}">
-                <a16:creationId xmlns:a16="http://schemas.microsoft.com/office/drawing/2014/main" id="{731D7716-7E94-2F4F-AC91-750E9625C3E2}"/>
-              </a:ext>
-            </a:extLst>
-          </p:cNvPr>
-          <p:cNvSpPr txBox="1"/>
-          <p:nvPr/>
-        </p:nvSpPr>
-        <p:spPr>
-          <a:xfrm>
-            <a:off x="27120743" y="4112432"/>
-            <a:ext cx="1505540" cy="369332"/>
-          </a:xfrm>
-          <a:prstGeom prst="rect">
-            <a:avLst/>
-          </a:prstGeom>
           <a:blipFill>
             <a:blip r:embed="rId2"/>
             <a:tile tx="0" ty="0" sx="100000" sy="100000" flip="none" algn="tl"/>
@@ -6514,6 +6420,106 @@
                 <a:latin typeface="Times New Roman" panose="02020603050405020304" pitchFamily="18" charset="0"/>
                 <a:cs typeface="Times New Roman" panose="02020603050405020304" pitchFamily="18" charset="0"/>
               </a:rPr>
+              <a:t>ImagPart-LNS-Eqn-2.5D</a:t>
+            </a:r>
+            <a:endParaRPr kumimoji="1" lang="zh-CN" altLang="en-US" dirty="0">
+              <a:latin typeface="Times New Roman" panose="02020603050405020304" pitchFamily="18" charset="0"/>
+              <a:cs typeface="Times New Roman" panose="02020603050405020304" pitchFamily="18" charset="0"/>
+            </a:endParaRPr>
+          </a:p>
+        </p:txBody>
+      </p:sp>
+      <p:sp>
+        <p:nvSpPr>
+          <p:cNvPr id="171" name="文本框 170">
+            <a:extLst>
+              <a:ext uri="{FF2B5EF4-FFF2-40B4-BE49-F238E27FC236}">
+                <a16:creationId xmlns:a16="http://schemas.microsoft.com/office/drawing/2014/main" id="{66CED8D4-96E8-7C43-8EC7-9C99FA3D5997}"/>
+              </a:ext>
+            </a:extLst>
+          </p:cNvPr>
+          <p:cNvSpPr txBox="1"/>
+          <p:nvPr/>
+        </p:nvSpPr>
+        <p:spPr>
+          <a:xfrm>
+            <a:off x="29057924" y="5297062"/>
+            <a:ext cx="2473754" cy="369332"/>
+          </a:xfrm>
+          <a:prstGeom prst="rect">
+            <a:avLst/>
+          </a:prstGeom>
+          <a:blipFill>
+            <a:blip r:embed="rId2"/>
+            <a:tile tx="0" ty="0" sx="100000" sy="100000" flip="none" algn="tl"/>
+          </a:blipFill>
+          <a:ln w="25400">
+            <a:solidFill>
+              <a:srgbClr val="00B0F0"/>
+            </a:solidFill>
+          </a:ln>
+        </p:spPr>
+        <p:txBody>
+          <a:bodyPr wrap="none" rtlCol="0">
+            <a:spAutoFit/>
+          </a:bodyPr>
+          <a:lstStyle/>
+          <a:p>
+            <a:r>
+              <a:rPr kumimoji="1" lang="en-US" altLang="zh-CN" dirty="0">
+                <a:latin typeface="Times New Roman" panose="02020603050405020304" pitchFamily="18" charset="0"/>
+                <a:cs typeface="Times New Roman" panose="02020603050405020304" pitchFamily="18" charset="0"/>
+              </a:rPr>
+              <a:t>RealPart-LNS-Eqn-2.5D</a:t>
+            </a:r>
+            <a:endParaRPr kumimoji="1" lang="zh-CN" altLang="en-US" dirty="0">
+              <a:latin typeface="Times New Roman" panose="02020603050405020304" pitchFamily="18" charset="0"/>
+              <a:cs typeface="Times New Roman" panose="02020603050405020304" pitchFamily="18" charset="0"/>
+            </a:endParaRPr>
+          </a:p>
+        </p:txBody>
+      </p:sp>
+      <p:sp>
+        <p:nvSpPr>
+          <p:cNvPr id="172" name="文本框 171">
+            <a:extLst>
+              <a:ext uri="{FF2B5EF4-FFF2-40B4-BE49-F238E27FC236}">
+                <a16:creationId xmlns:a16="http://schemas.microsoft.com/office/drawing/2014/main" id="{731D7716-7E94-2F4F-AC91-750E9625C3E2}"/>
+              </a:ext>
+            </a:extLst>
+          </p:cNvPr>
+          <p:cNvSpPr txBox="1"/>
+          <p:nvPr/>
+        </p:nvSpPr>
+        <p:spPr>
+          <a:xfrm>
+            <a:off x="27120743" y="4112432"/>
+            <a:ext cx="1505540" cy="369332"/>
+          </a:xfrm>
+          <a:prstGeom prst="rect">
+            <a:avLst/>
+          </a:prstGeom>
+          <a:blipFill>
+            <a:blip r:embed="rId2"/>
+            <a:tile tx="0" ty="0" sx="100000" sy="100000" flip="none" algn="tl"/>
+          </a:blipFill>
+          <a:ln w="25400">
+            <a:solidFill>
+              <a:srgbClr val="00B0F0"/>
+            </a:solidFill>
+          </a:ln>
+        </p:spPr>
+        <p:txBody>
+          <a:bodyPr wrap="none" rtlCol="0">
+            <a:spAutoFit/>
+          </a:bodyPr>
+          <a:lstStyle/>
+          <a:p>
+            <a:r>
+              <a:rPr kumimoji="1" lang="en-US" altLang="zh-CN" dirty="0">
+                <a:latin typeface="Times New Roman" panose="02020603050405020304" pitchFamily="18" charset="0"/>
+                <a:cs typeface="Times New Roman" panose="02020603050405020304" pitchFamily="18" charset="0"/>
+              </a:rPr>
               <a:t>Sys-Assemble</a:t>
             </a:r>
             <a:endParaRPr kumimoji="1" lang="zh-CN" altLang="en-US" dirty="0">
@@ -6543,12 +6549,10 @@
           <a:prstGeom prst="rect">
             <a:avLst/>
           </a:prstGeom>
-          <a:solidFill>
-            <a:schemeClr val="accent1">
-              <a:lumMod val="60000"/>
-              <a:lumOff val="40000"/>
-            </a:schemeClr>
-          </a:solidFill>
+          <a:blipFill>
+            <a:blip r:embed="rId2"/>
+            <a:tile tx="0" ty="0" sx="100000" sy="100000" flip="none" algn="tl"/>
+          </a:blipFill>
           <a:ln w="25400">
             <a:solidFill>
               <a:srgbClr val="00B0F0"/>
@@ -6917,12 +6921,10 @@
           <a:prstGeom prst="rect">
             <a:avLst/>
           </a:prstGeom>
-          <a:solidFill>
-            <a:schemeClr val="accent1">
-              <a:lumMod val="60000"/>
-              <a:lumOff val="40000"/>
-            </a:schemeClr>
-          </a:solidFill>
+          <a:blipFill>
+            <a:blip r:embed="rId2"/>
+            <a:tile tx="0" ty="0" sx="100000" sy="100000" flip="none" algn="tl"/>
+          </a:blipFill>
           <a:ln w="25400">
             <a:solidFill>
               <a:srgbClr val="00B0F0"/>
@@ -7681,7 +7683,10 @@
           <a:prstGeom prst="rect">
             <a:avLst/>
           </a:prstGeom>
-          <a:noFill/>
+          <a:blipFill>
+            <a:blip r:embed="rId2"/>
+            <a:tile tx="0" ty="0" sx="100000" sy="100000" flip="none" algn="tl"/>
+          </a:blipFill>
           <a:ln w="25400">
             <a:solidFill>
               <a:srgbClr val="00B0F0"/>
@@ -7735,7 +7740,10 @@
           <a:prstGeom prst="rect">
             <a:avLst/>
           </a:prstGeom>
-          <a:noFill/>
+          <a:blipFill>
+            <a:blip r:embed="rId2"/>
+            <a:tile tx="0" ty="0" sx="100000" sy="100000" flip="none" algn="tl"/>
+          </a:blipFill>
           <a:ln w="25400">
             <a:solidFill>
               <a:srgbClr val="00B0F0"/>
@@ -7789,12 +7797,10 @@
           <a:prstGeom prst="rect">
             <a:avLst/>
           </a:prstGeom>
-          <a:solidFill>
-            <a:schemeClr val="accent4">
-              <a:lumMod val="60000"/>
-              <a:lumOff val="40000"/>
-            </a:schemeClr>
-          </a:solidFill>
+          <a:blipFill>
+            <a:blip r:embed="rId2"/>
+            <a:tile tx="0" ty="0" sx="100000" sy="100000" flip="none" algn="tl"/>
+          </a:blipFill>
           <a:ln w="25400">
             <a:solidFill>
               <a:srgbClr val="00B0F0"/>
@@ -7841,12 +7847,10 @@
           <a:prstGeom prst="rect">
             <a:avLst/>
           </a:prstGeom>
-          <a:solidFill>
-            <a:schemeClr val="accent1">
-              <a:lumMod val="60000"/>
-              <a:lumOff val="40000"/>
-            </a:schemeClr>
-          </a:solidFill>
+          <a:blipFill>
+            <a:blip r:embed="rId2"/>
+            <a:tile tx="0" ty="0" sx="100000" sy="100000" flip="none" algn="tl"/>
+          </a:blipFill>
           <a:ln w="25400">
             <a:solidFill>
               <a:srgbClr val="00B0F0"/>
@@ -7893,12 +7897,10 @@
           <a:prstGeom prst="rect">
             <a:avLst/>
           </a:prstGeom>
-          <a:solidFill>
-            <a:schemeClr val="accent4">
-              <a:lumMod val="60000"/>
-              <a:lumOff val="40000"/>
-            </a:schemeClr>
-          </a:solidFill>
+          <a:blipFill>
+            <a:blip r:embed="rId2"/>
+            <a:tile tx="0" ty="0" sx="100000" sy="100000" flip="none" algn="tl"/>
+          </a:blipFill>
           <a:ln w="25400">
             <a:solidFill>
               <a:srgbClr val="00B0F0"/>
@@ -7945,12 +7947,10 @@
           <a:prstGeom prst="rect">
             <a:avLst/>
           </a:prstGeom>
-          <a:solidFill>
-            <a:schemeClr val="accent4">
-              <a:lumMod val="60000"/>
-              <a:lumOff val="40000"/>
-            </a:schemeClr>
-          </a:solidFill>
+          <a:blipFill>
+            <a:blip r:embed="rId2"/>
+            <a:tile tx="0" ty="0" sx="100000" sy="100000" flip="none" algn="tl"/>
+          </a:blipFill>
           <a:ln w="25400">
             <a:solidFill>
               <a:srgbClr val="00B0F0"/>

--- a/docs/PkgStructure.pptx
+++ b/docs/PkgStructure.pptx
@@ -198,7 +198,7 @@
           <a:p>
             <a:fld id="{BA3169B6-4FAB-C74C-B3C4-DDC935BEBB5C}" type="datetimeFigureOut">
               <a:rPr kumimoji="1" lang="zh-CN" altLang="en-US" smtClean="0"/>
-              <a:t>2024/9/10</a:t>
+              <a:t>2024/10/15</a:t>
             </a:fld>
             <a:endParaRPr kumimoji="1" lang="zh-CN" altLang="en-US"/>
           </a:p>
@@ -680,7 +680,7 @@
           <a:p>
             <a:fld id="{7CDD7218-6ED0-F841-B1B2-5CD751FBD8FA}" type="datetimeFigureOut">
               <a:rPr kumimoji="1" lang="zh-CN" altLang="en-US" smtClean="0"/>
-              <a:t>2024/9/10</a:t>
+              <a:t>2024/10/15</a:t>
             </a:fld>
             <a:endParaRPr kumimoji="1" lang="zh-CN" altLang="en-US"/>
           </a:p>
@@ -850,7 +850,7 @@
           <a:p>
             <a:fld id="{7CDD7218-6ED0-F841-B1B2-5CD751FBD8FA}" type="datetimeFigureOut">
               <a:rPr kumimoji="1" lang="zh-CN" altLang="en-US" smtClean="0"/>
-              <a:t>2024/9/10</a:t>
+              <a:t>2024/10/15</a:t>
             </a:fld>
             <a:endParaRPr kumimoji="1" lang="zh-CN" altLang="en-US"/>
           </a:p>
@@ -1030,7 +1030,7 @@
           <a:p>
             <a:fld id="{7CDD7218-6ED0-F841-B1B2-5CD751FBD8FA}" type="datetimeFigureOut">
               <a:rPr kumimoji="1" lang="zh-CN" altLang="en-US" smtClean="0"/>
-              <a:t>2024/9/10</a:t>
+              <a:t>2024/10/15</a:t>
             </a:fld>
             <a:endParaRPr kumimoji="1" lang="zh-CN" altLang="en-US"/>
           </a:p>
@@ -1200,7 +1200,7 @@
           <a:p>
             <a:fld id="{7CDD7218-6ED0-F841-B1B2-5CD751FBD8FA}" type="datetimeFigureOut">
               <a:rPr kumimoji="1" lang="zh-CN" altLang="en-US" smtClean="0"/>
-              <a:t>2024/9/10</a:t>
+              <a:t>2024/10/15</a:t>
             </a:fld>
             <a:endParaRPr kumimoji="1" lang="zh-CN" altLang="en-US"/>
           </a:p>
@@ -1446,7 +1446,7 @@
           <a:p>
             <a:fld id="{7CDD7218-6ED0-F841-B1B2-5CD751FBD8FA}" type="datetimeFigureOut">
               <a:rPr kumimoji="1" lang="zh-CN" altLang="en-US" smtClean="0"/>
-              <a:t>2024/9/10</a:t>
+              <a:t>2024/10/15</a:t>
             </a:fld>
             <a:endParaRPr kumimoji="1" lang="zh-CN" altLang="en-US"/>
           </a:p>
@@ -1678,7 +1678,7 @@
           <a:p>
             <a:fld id="{7CDD7218-6ED0-F841-B1B2-5CD751FBD8FA}" type="datetimeFigureOut">
               <a:rPr kumimoji="1" lang="zh-CN" altLang="en-US" smtClean="0"/>
-              <a:t>2024/9/10</a:t>
+              <a:t>2024/10/15</a:t>
             </a:fld>
             <a:endParaRPr kumimoji="1" lang="zh-CN" altLang="en-US"/>
           </a:p>
@@ -2045,7 +2045,7 @@
           <a:p>
             <a:fld id="{7CDD7218-6ED0-F841-B1B2-5CD751FBD8FA}" type="datetimeFigureOut">
               <a:rPr kumimoji="1" lang="zh-CN" altLang="en-US" smtClean="0"/>
-              <a:t>2024/9/10</a:t>
+              <a:t>2024/10/15</a:t>
             </a:fld>
             <a:endParaRPr kumimoji="1" lang="zh-CN" altLang="en-US"/>
           </a:p>
@@ -2163,7 +2163,7 @@
           <a:p>
             <a:fld id="{7CDD7218-6ED0-F841-B1B2-5CD751FBD8FA}" type="datetimeFigureOut">
               <a:rPr kumimoji="1" lang="zh-CN" altLang="en-US" smtClean="0"/>
-              <a:t>2024/9/10</a:t>
+              <a:t>2024/10/15</a:t>
             </a:fld>
             <a:endParaRPr kumimoji="1" lang="zh-CN" altLang="en-US"/>
           </a:p>
@@ -2258,7 +2258,7 @@
           <a:p>
             <a:fld id="{7CDD7218-6ED0-F841-B1B2-5CD751FBD8FA}" type="datetimeFigureOut">
               <a:rPr kumimoji="1" lang="zh-CN" altLang="en-US" smtClean="0"/>
-              <a:t>2024/9/10</a:t>
+              <a:t>2024/10/15</a:t>
             </a:fld>
             <a:endParaRPr kumimoji="1" lang="zh-CN" altLang="en-US"/>
           </a:p>
@@ -2535,7 +2535,7 @@
           <a:p>
             <a:fld id="{7CDD7218-6ED0-F841-B1B2-5CD751FBD8FA}" type="datetimeFigureOut">
               <a:rPr kumimoji="1" lang="zh-CN" altLang="en-US" smtClean="0"/>
-              <a:t>2024/9/10</a:t>
+              <a:t>2024/10/15</a:t>
             </a:fld>
             <a:endParaRPr kumimoji="1" lang="zh-CN" altLang="en-US"/>
           </a:p>
@@ -2792,7 +2792,7 @@
           <a:p>
             <a:fld id="{7CDD7218-6ED0-F841-B1B2-5CD751FBD8FA}" type="datetimeFigureOut">
               <a:rPr kumimoji="1" lang="zh-CN" altLang="en-US" smtClean="0"/>
-              <a:t>2024/9/10</a:t>
+              <a:t>2024/10/15</a:t>
             </a:fld>
             <a:endParaRPr kumimoji="1" lang="zh-CN" altLang="en-US"/>
           </a:p>
@@ -3005,7 +3005,7 @@
           <a:p>
             <a:fld id="{7CDD7218-6ED0-F841-B1B2-5CD751FBD8FA}" type="datetimeFigureOut">
               <a:rPr kumimoji="1" lang="zh-CN" altLang="en-US" smtClean="0"/>
-              <a:t>2024/9/10</a:t>
+              <a:t>2024/10/15</a:t>
             </a:fld>
             <a:endParaRPr kumimoji="1" lang="zh-CN" altLang="en-US"/>
           </a:p>
@@ -4161,12 +4161,10 @@
           <a:prstGeom prst="rect">
             <a:avLst/>
           </a:prstGeom>
-          <a:solidFill>
-            <a:schemeClr val="accent1">
-              <a:lumMod val="60000"/>
-              <a:lumOff val="40000"/>
-            </a:schemeClr>
-          </a:solidFill>
+          <a:blipFill>
+            <a:blip r:embed="rId3"/>
+            <a:tile tx="0" ty="0" sx="100000" sy="100000" flip="none" algn="tl"/>
+          </a:blipFill>
           <a:ln w="25400">
             <a:solidFill>
               <a:srgbClr val="00B0F0"/>
@@ -7997,7 +7995,10 @@
           <a:prstGeom prst="rect">
             <a:avLst/>
           </a:prstGeom>
-          <a:noFill/>
+          <a:blipFill>
+            <a:blip r:embed="rId3"/>
+            <a:tile tx="0" ty="0" sx="100000" sy="100000" flip="none" algn="tl"/>
+          </a:blipFill>
           <a:ln w="25400">
             <a:solidFill>
               <a:srgbClr val="FFC000"/>
@@ -8186,7 +8187,10 @@
           <a:prstGeom prst="rect">
             <a:avLst/>
           </a:prstGeom>
-          <a:noFill/>
+          <a:blipFill>
+            <a:blip r:embed="rId3"/>
+            <a:tile tx="0" ty="0" sx="100000" sy="100000" flip="none" algn="tl"/>
+          </a:blipFill>
           <a:ln w="25400">
             <a:solidFill>
               <a:srgbClr val="FFC000"/>
@@ -8233,12 +8237,10 @@
           <a:prstGeom prst="rect">
             <a:avLst/>
           </a:prstGeom>
-          <a:solidFill>
-            <a:schemeClr val="accent2">
-              <a:lumMod val="60000"/>
-              <a:lumOff val="40000"/>
-            </a:schemeClr>
-          </a:solidFill>
+          <a:blipFill>
+            <a:blip r:embed="rId3"/>
+            <a:tile tx="0" ty="0" sx="100000" sy="100000" flip="none" algn="tl"/>
+          </a:blipFill>
           <a:ln w="25400">
             <a:solidFill>
               <a:srgbClr val="00B0F0"/>
@@ -8285,12 +8287,10 @@
           <a:prstGeom prst="rect">
             <a:avLst/>
           </a:prstGeom>
-          <a:solidFill>
-            <a:schemeClr val="accent2">
-              <a:lumMod val="60000"/>
-              <a:lumOff val="40000"/>
-            </a:schemeClr>
-          </a:solidFill>
+          <a:blipFill>
+            <a:blip r:embed="rId3"/>
+            <a:tile tx="0" ty="0" sx="100000" sy="100000" flip="none" algn="tl"/>
+          </a:blipFill>
           <a:ln w="25400">
             <a:solidFill>
               <a:srgbClr val="00B0F0"/>
@@ -8337,12 +8337,10 @@
           <a:prstGeom prst="rect">
             <a:avLst/>
           </a:prstGeom>
-          <a:solidFill>
-            <a:schemeClr val="accent2">
-              <a:lumMod val="60000"/>
-              <a:lumOff val="40000"/>
-            </a:schemeClr>
-          </a:solidFill>
+          <a:blipFill>
+            <a:blip r:embed="rId3"/>
+            <a:tile tx="0" ty="0" sx="100000" sy="100000" flip="none" algn="tl"/>
+          </a:blipFill>
           <a:ln w="25400">
             <a:solidFill>
               <a:srgbClr val="00B0F0"/>
@@ -8403,12 +8401,10 @@
           <a:prstGeom prst="rect">
             <a:avLst/>
           </a:prstGeom>
-          <a:solidFill>
-            <a:schemeClr val="accent1">
-              <a:lumMod val="60000"/>
-              <a:lumOff val="40000"/>
-            </a:schemeClr>
-          </a:solidFill>
+          <a:blipFill>
+            <a:blip r:embed="rId3"/>
+            <a:tile tx="0" ty="0" sx="100000" sy="100000" flip="none" algn="tl"/>
+          </a:blipFill>
           <a:ln w="25400">
             <a:solidFill>
               <a:srgbClr val="00B0F0"/>
@@ -8455,9 +8451,10 @@
           <a:prstGeom prst="rect">
             <a:avLst/>
           </a:prstGeom>
-          <a:solidFill>
-            <a:srgbClr val="92D050"/>
-          </a:solidFill>
+          <a:blipFill>
+            <a:blip r:embed="rId3"/>
+            <a:tile tx="0" ty="0" sx="100000" sy="100000" flip="none" algn="tl"/>
+          </a:blipFill>
           <a:ln w="25400">
             <a:solidFill>
               <a:srgbClr val="00B0F0"/>
@@ -8504,7 +8501,10 @@
           <a:prstGeom prst="rect">
             <a:avLst/>
           </a:prstGeom>
-          <a:noFill/>
+          <a:blipFill>
+            <a:blip r:embed="rId3"/>
+            <a:tile tx="0" ty="0" sx="100000" sy="100000" flip="none" algn="tl"/>
+          </a:blipFill>
           <a:ln w="25400">
             <a:solidFill>
               <a:srgbClr val="00B0F0"/>
@@ -8551,9 +8551,10 @@
           <a:prstGeom prst="rect">
             <a:avLst/>
           </a:prstGeom>
-          <a:solidFill>
-            <a:srgbClr val="92D050"/>
-          </a:solidFill>
+          <a:blipFill>
+            <a:blip r:embed="rId3"/>
+            <a:tile tx="0" ty="0" sx="100000" sy="100000" flip="none" algn="tl"/>
+          </a:blipFill>
           <a:ln w="25400">
             <a:solidFill>
               <a:srgbClr val="00B0F0"/>
@@ -8600,9 +8601,10 @@
           <a:prstGeom prst="rect">
             <a:avLst/>
           </a:prstGeom>
-          <a:solidFill>
-            <a:srgbClr val="92D050"/>
-          </a:solidFill>
+          <a:blipFill>
+            <a:blip r:embed="rId3"/>
+            <a:tile tx="0" ty="0" sx="100000" sy="100000" flip="none" algn="tl"/>
+          </a:blipFill>
           <a:ln w="25400">
             <a:solidFill>
               <a:srgbClr val="00B0F0"/>
@@ -8670,9 +8672,10 @@
           <a:prstGeom prst="rect">
             <a:avLst/>
           </a:prstGeom>
-          <a:solidFill>
-            <a:srgbClr val="92D050"/>
-          </a:solidFill>
+          <a:blipFill>
+            <a:blip r:embed="rId3"/>
+            <a:tile tx="0" ty="0" sx="100000" sy="100000" flip="none" algn="tl"/>
+          </a:blipFill>
           <a:ln w="25400">
             <a:solidFill>
               <a:srgbClr val="00B0F0"/>
@@ -8733,7 +8736,10 @@
           <a:prstGeom prst="rect">
             <a:avLst/>
           </a:prstGeom>
-          <a:noFill/>
+          <a:blipFill>
+            <a:blip r:embed="rId3"/>
+            <a:tile tx="0" ty="0" sx="100000" sy="100000" flip="none" algn="tl"/>
+          </a:blipFill>
           <a:ln w="25400">
             <a:solidFill>
               <a:srgbClr val="0070C0"/>
@@ -8787,12 +8793,10 @@
           <a:prstGeom prst="rect">
             <a:avLst/>
           </a:prstGeom>
-          <a:solidFill>
-            <a:schemeClr val="accent1">
-              <a:lumMod val="60000"/>
-              <a:lumOff val="40000"/>
-            </a:schemeClr>
-          </a:solidFill>
+          <a:blipFill>
+            <a:blip r:embed="rId3"/>
+            <a:tile tx="0" ty="0" sx="100000" sy="100000" flip="none" algn="tl"/>
+          </a:blipFill>
           <a:ln w="25400">
             <a:solidFill>
               <a:srgbClr val="00B0F0"/>
